--- a/work/final presentation/To Infinity and Beyond.pptx
+++ b/work/final presentation/To Infinity and Beyond.pptx
@@ -7,6 +7,10 @@
   <p:sldIdLst>
     <p:sldId id="256" r:id="rId2"/>
     <p:sldId id="257" r:id="rId3"/>
+    <p:sldId id="258" r:id="rId4"/>
+    <p:sldId id="261" r:id="rId5"/>
+    <p:sldId id="259" r:id="rId6"/>
+    <p:sldId id="260" r:id="rId7"/>
   </p:sldIdLst>
   <p:sldSz cx="12192000" cy="6858000"/>
   <p:notesSz cx="6858000" cy="9144000"/>
@@ -105,6 +109,11 @@
       </a:defRPr>
     </a:lvl9pPr>
   </p:defaultTextStyle>
+  <p:extLst>
+    <p:ext uri="{EFAFB233-063F-42B5-8137-9DF3F51BA10A}">
+      <p15:sldGuideLst xmlns:p15="http://schemas.microsoft.com/office/powerpoint/2012/main"/>
+    </p:ext>
+  </p:extLst>
 </p:presentation>
 </file>
 
@@ -1317,7 +1326,7 @@
         <p:spPr>
           <a:xfrm>
             <a:off x="2711624" y="365125"/>
-            <a:ext cx="8642175" cy="1325563"/>
+            <a:ext cx="9145016" cy="1325563"/>
           </a:xfrm>
         </p:spPr>
         <p:txBody>
@@ -1351,7 +1360,7 @@
         <p:spPr>
           <a:xfrm>
             <a:off x="2711624" y="1825625"/>
-            <a:ext cx="8642176" cy="4351338"/>
+            <a:ext cx="9145016" cy="4351338"/>
           </a:xfrm>
         </p:spPr>
         <p:txBody>
@@ -1411,7 +1420,12 @@
             <p:ph type="sldNum" sz="quarter" idx="12"/>
           </p:nvPr>
         </p:nvSpPr>
-        <p:spPr/>
+        <p:spPr>
+          <a:xfrm>
+            <a:off x="8610600" y="6356350"/>
+            <a:ext cx="3246040" cy="365125"/>
+          </a:xfrm>
+        </p:spPr>
         <p:txBody>
           <a:bodyPr/>
           <a:lstStyle/>
@@ -1454,6 +1468,47 @@
           </a:prstGeom>
         </p:spPr>
       </p:pic>
+      <p:sp>
+        <p:nvSpPr>
+          <p:cNvPr id="4" name="TextBox 3">
+            <a:extLst>
+              <a:ext uri="{FF2B5EF4-FFF2-40B4-BE49-F238E27FC236}">
+                <a16:creationId xmlns:a16="http://schemas.microsoft.com/office/drawing/2014/main" id="{E7ECA62B-41B7-DDE1-CB93-1756E70BEF6F}"/>
+              </a:ext>
+            </a:extLst>
+          </p:cNvPr>
+          <p:cNvSpPr txBox="1"/>
+          <p:nvPr userDrawn="1"/>
+        </p:nvSpPr>
+        <p:spPr>
+          <a:xfrm>
+            <a:off x="335360" y="404664"/>
+            <a:ext cx="1656184" cy="1224136"/>
+          </a:xfrm>
+          <a:prstGeom prst="rect">
+            <a:avLst/>
+          </a:prstGeom>
+          <a:noFill/>
+        </p:spPr>
+        <p:txBody>
+          <a:bodyPr wrap="square" rtlCol="0" anchor="ctr">
+            <a:noAutofit/>
+          </a:bodyPr>
+          <a:lstStyle/>
+          <a:p>
+            <a:pPr algn="ctr"/>
+            <a:r>
+              <a:rPr lang="en-FR" dirty="0">
+                <a:solidFill>
+                  <a:schemeClr val="bg1"/>
+                </a:solidFill>
+              </a:rPr>
+              <a:t>To infinity and beyond</a:t>
+            </a:r>
+            <a:endParaRPr lang="en-FR" dirty="0"/>
+          </a:p>
+        </p:txBody>
+      </p:sp>
     </p:spTree>
     <p:extLst>
       <p:ext uri="{BB962C8B-B14F-4D97-AF65-F5344CB8AC3E}">
@@ -3740,10 +3795,17 @@
           </a:xfrm>
         </p:spPr>
         <p:txBody>
-          <a:bodyPr/>
-          <a:lstStyle/>
-          <a:p>
-            <a:endParaRPr lang="en-FR"/>
+          <a:bodyPr anchor="t"/>
+          <a:lstStyle/>
+          <a:p>
+            <a:r>
+              <a:rPr lang="en-FR" dirty="0">
+                <a:solidFill>
+                  <a:schemeClr val="bg1"/>
+                </a:solidFill>
+              </a:rPr>
+              <a:t>Trying to indentify cestial objects and how far away they using AI</a:t>
+            </a:r>
           </a:p>
         </p:txBody>
       </p:sp>
@@ -3798,7 +3860,10 @@
           <a:bodyPr/>
           <a:lstStyle/>
           <a:p>
-            <a:endParaRPr lang="en-FR"/>
+            <a:r>
+              <a:rPr lang="en-FR" dirty="0"/>
+              <a:t>Goal(s) of the project</a:t>
+            </a:r>
           </a:p>
         </p:txBody>
       </p:sp>
@@ -3818,19 +3883,458 @@
             <p:ph idx="1"/>
           </p:nvPr>
         </p:nvSpPr>
-        <p:spPr/>
-        <p:txBody>
-          <a:bodyPr/>
-          <a:lstStyle/>
-          <a:p>
-            <a:endParaRPr lang="en-FR"/>
-          </a:p>
-        </p:txBody>
-      </p:sp>
+        <p:spPr>
+          <a:xfrm>
+            <a:off x="2711624" y="1825625"/>
+            <a:ext cx="5544616" cy="4351338"/>
+          </a:xfrm>
+        </p:spPr>
+        <p:txBody>
+          <a:bodyPr anchor="ctr"/>
+          <a:lstStyle/>
+          <a:p>
+            <a:pPr marL="514350" indent="-514350">
+              <a:buFont typeface="+mj-lt"/>
+              <a:buAutoNum type="arabicPeriod"/>
+            </a:pPr>
+            <a:r>
+              <a:rPr lang="en-FR" dirty="0"/>
+              <a:t>Use AI &amp; Deep Learning to make it is easier to identify celestial objects using pictures and data collected by the </a:t>
+            </a:r>
+            <a:r>
+              <a:rPr lang="en-GB" dirty="0"/>
+              <a:t>Sloan Digital Sky Survey telescope located at Apache Point in New Mexico</a:t>
+            </a:r>
+            <a:endParaRPr lang="en-FR" dirty="0"/>
+          </a:p>
+          <a:p>
+            <a:pPr marL="514350" indent="-514350">
+              <a:buFont typeface="+mj-lt"/>
+              <a:buAutoNum type="arabicPeriod"/>
+            </a:pPr>
+            <a:r>
+              <a:rPr lang="en-FR" dirty="0"/>
+              <a:t>Try to also predict the distance between these objects and us using “red shift”</a:t>
+            </a:r>
+          </a:p>
+        </p:txBody>
+      </p:sp>
+      <p:pic>
+        <p:nvPicPr>
+          <p:cNvPr id="1026" name="Picture 2" descr="a-Le télecope Sloan Digital Sky Survey (SDSS) est l'un des appareils de l'Observatoire Apache Point situé dans les monts Sacramento du Nouveau-Mexique. Le primaire a un diamètre de 2,5 m. Le coffret métallique évidé est le défl ecteur de vent, fi xé différemment du reste du télescope, il prévient les secousses dues aux mouvements d'air. ">
+            <a:extLst>
+              <a:ext uri="{FF2B5EF4-FFF2-40B4-BE49-F238E27FC236}">
+                <a16:creationId xmlns:a16="http://schemas.microsoft.com/office/drawing/2014/main" id="{DA2CDE46-CEC3-54C2-DE27-25EDE5D69C9B}"/>
+              </a:ext>
+            </a:extLst>
+          </p:cNvPr>
+          <p:cNvPicPr>
+            <a:picLocks noChangeAspect="1" noChangeArrowheads="1"/>
+          </p:cNvPicPr>
+          <p:nvPr/>
+        </p:nvPicPr>
+        <p:blipFill>
+          <a:blip r:embed="rId2">
+            <a:extLst>
+              <a:ext uri="{28A0092B-C50C-407E-A947-70E740481C1C}">
+                <a14:useLocalDpi xmlns:a14="http://schemas.microsoft.com/office/drawing/2010/main" val="0"/>
+              </a:ext>
+            </a:extLst>
+          </a:blip>
+          <a:srcRect/>
+          <a:stretch>
+            <a:fillRect/>
+          </a:stretch>
+        </p:blipFill>
+        <p:spPr bwMode="auto">
+          <a:xfrm>
+            <a:off x="8616280" y="2766268"/>
+            <a:ext cx="3264931" cy="2606948"/>
+          </a:xfrm>
+          <a:prstGeom prst="rect">
+            <a:avLst/>
+          </a:prstGeom>
+          <a:noFill/>
+          <a:extLst>
+            <a:ext uri="{909E8E84-426E-40DD-AFC4-6F175D3DCCD1}">
+              <a14:hiddenFill xmlns:a14="http://schemas.microsoft.com/office/drawing/2010/main">
+                <a:solidFill>
+                  <a:srgbClr val="FFFFFF"/>
+                </a:solidFill>
+              </a14:hiddenFill>
+            </a:ext>
+          </a:extLst>
+        </p:spPr>
+      </p:pic>
     </p:spTree>
     <p:extLst>
       <p:ext uri="{BB962C8B-B14F-4D97-AF65-F5344CB8AC3E}">
         <p14:creationId xmlns:p14="http://schemas.microsoft.com/office/powerpoint/2010/main" val="798164196"/>
+      </p:ext>
+    </p:extLst>
+  </p:cSld>
+  <p:clrMapOvr>
+    <a:masterClrMapping/>
+  </p:clrMapOvr>
+</p:sld>
+</file>
+
+<file path=ppt/slides/slide3.xml><?xml version="1.0" encoding="utf-8"?>
+<p:sld xmlns:a="http://schemas.openxmlformats.org/drawingml/2006/main" xmlns:r="http://schemas.openxmlformats.org/officeDocument/2006/relationships" xmlns:p="http://schemas.openxmlformats.org/presentationml/2006/main">
+  <p:cSld>
+    <p:spTree>
+      <p:nvGrpSpPr>
+        <p:cNvPr id="1" name=""/>
+        <p:cNvGrpSpPr/>
+        <p:nvPr/>
+      </p:nvGrpSpPr>
+      <p:grpSpPr>
+        <a:xfrm>
+          <a:off x="0" y="0"/>
+          <a:ext cx="0" cy="0"/>
+          <a:chOff x="0" y="0"/>
+          <a:chExt cx="0" cy="0"/>
+        </a:xfrm>
+      </p:grpSpPr>
+      <p:sp>
+        <p:nvSpPr>
+          <p:cNvPr id="2" name="Title 1">
+            <a:extLst>
+              <a:ext uri="{FF2B5EF4-FFF2-40B4-BE49-F238E27FC236}">
+                <a16:creationId xmlns:a16="http://schemas.microsoft.com/office/drawing/2014/main" id="{B41A7345-1371-DC4C-CA02-86F55A3C347B}"/>
+              </a:ext>
+            </a:extLst>
+          </p:cNvPr>
+          <p:cNvSpPr>
+            <a:spLocks noGrp="1"/>
+          </p:cNvSpPr>
+          <p:nvPr>
+            <p:ph type="title"/>
+          </p:nvPr>
+        </p:nvSpPr>
+        <p:spPr/>
+        <p:txBody>
+          <a:bodyPr/>
+          <a:lstStyle/>
+          <a:p>
+            <a:r>
+              <a:rPr lang="en-FR" dirty="0"/>
+              <a:t>Work done</a:t>
+            </a:r>
+          </a:p>
+        </p:txBody>
+      </p:sp>
+      <p:sp>
+        <p:nvSpPr>
+          <p:cNvPr id="3" name="Content Placeholder 2">
+            <a:extLst>
+              <a:ext uri="{FF2B5EF4-FFF2-40B4-BE49-F238E27FC236}">
+                <a16:creationId xmlns:a16="http://schemas.microsoft.com/office/drawing/2014/main" id="{1C04744A-F987-81FD-9DE8-55866782F4F7}"/>
+              </a:ext>
+            </a:extLst>
+          </p:cNvPr>
+          <p:cNvSpPr>
+            <a:spLocks noGrp="1"/>
+          </p:cNvSpPr>
+          <p:nvPr>
+            <p:ph idx="1"/>
+          </p:nvPr>
+        </p:nvSpPr>
+        <p:spPr/>
+        <p:txBody>
+          <a:bodyPr/>
+          <a:lstStyle/>
+          <a:p>
+            <a:r>
+              <a:rPr lang="en-FR" dirty="0"/>
+              <a:t>Scrapping to retrieve pictures and celestial information from the SDSS web site</a:t>
+            </a:r>
+          </a:p>
+          <a:p>
+            <a:r>
+              <a:rPr lang="en-FR" dirty="0"/>
+              <a:t>Data augmentation to get well balanced data</a:t>
+            </a:r>
+          </a:p>
+          <a:p>
+            <a:r>
+              <a:rPr lang="en-FR" dirty="0"/>
+              <a:t>Training and evaluation of various models using CNN to reach a good enough accuracy</a:t>
+            </a:r>
+          </a:p>
+          <a:p>
+            <a:r>
+              <a:rPr lang="en-FR" dirty="0"/>
+              <a:t>Packaging of code</a:t>
+            </a:r>
+          </a:p>
+          <a:p>
+            <a:r>
+              <a:rPr lang="en-FR" dirty="0"/>
+              <a:t>Creation of simple web UI</a:t>
+            </a:r>
+          </a:p>
+          <a:p>
+            <a:r>
+              <a:rPr lang="en-FR" dirty="0"/>
+              <a:t>Deployment in Container in GCP</a:t>
+            </a:r>
+          </a:p>
+        </p:txBody>
+      </p:sp>
+    </p:spTree>
+    <p:extLst>
+      <p:ext uri="{BB962C8B-B14F-4D97-AF65-F5344CB8AC3E}">
+        <p14:creationId xmlns:p14="http://schemas.microsoft.com/office/powerpoint/2010/main" val="3228119620"/>
+      </p:ext>
+    </p:extLst>
+  </p:cSld>
+  <p:clrMapOvr>
+    <a:masterClrMapping/>
+  </p:clrMapOvr>
+</p:sld>
+</file>
+
+<file path=ppt/slides/slide4.xml><?xml version="1.0" encoding="utf-8"?>
+<p:sld xmlns:a="http://schemas.openxmlformats.org/drawingml/2006/main" xmlns:r="http://schemas.openxmlformats.org/officeDocument/2006/relationships" xmlns:p="http://schemas.openxmlformats.org/presentationml/2006/main">
+  <p:cSld>
+    <p:spTree>
+      <p:nvGrpSpPr>
+        <p:cNvPr id="1" name=""/>
+        <p:cNvGrpSpPr/>
+        <p:nvPr/>
+      </p:nvGrpSpPr>
+      <p:grpSpPr>
+        <a:xfrm>
+          <a:off x="0" y="0"/>
+          <a:ext cx="0" cy="0"/>
+          <a:chOff x="0" y="0"/>
+          <a:chExt cx="0" cy="0"/>
+        </a:xfrm>
+      </p:grpSpPr>
+      <p:sp>
+        <p:nvSpPr>
+          <p:cNvPr id="2" name="Title 1">
+            <a:extLst>
+              <a:ext uri="{FF2B5EF4-FFF2-40B4-BE49-F238E27FC236}">
+                <a16:creationId xmlns:a16="http://schemas.microsoft.com/office/drawing/2014/main" id="{D01B8192-D14D-D3D4-0BCF-7AFDFB030781}"/>
+              </a:ext>
+            </a:extLst>
+          </p:cNvPr>
+          <p:cNvSpPr>
+            <a:spLocks noGrp="1"/>
+          </p:cNvSpPr>
+          <p:nvPr>
+            <p:ph type="title"/>
+          </p:nvPr>
+        </p:nvSpPr>
+        <p:spPr/>
+        <p:txBody>
+          <a:bodyPr/>
+          <a:lstStyle/>
+          <a:p>
+            <a:r>
+              <a:rPr lang="en-FR" dirty="0"/>
+              <a:t>Demo (if available)</a:t>
+            </a:r>
+          </a:p>
+        </p:txBody>
+      </p:sp>
+      <p:sp>
+        <p:nvSpPr>
+          <p:cNvPr id="3" name="Content Placeholder 2">
+            <a:extLst>
+              <a:ext uri="{FF2B5EF4-FFF2-40B4-BE49-F238E27FC236}">
+                <a16:creationId xmlns:a16="http://schemas.microsoft.com/office/drawing/2014/main" id="{C6253C5A-C4B9-7557-F262-39F002F2837F}"/>
+              </a:ext>
+            </a:extLst>
+          </p:cNvPr>
+          <p:cNvSpPr>
+            <a:spLocks noGrp="1"/>
+          </p:cNvSpPr>
+          <p:nvPr>
+            <p:ph idx="1"/>
+          </p:nvPr>
+        </p:nvSpPr>
+        <p:spPr/>
+        <p:txBody>
+          <a:bodyPr/>
+          <a:lstStyle/>
+          <a:p>
+            <a:endParaRPr lang="en-FR"/>
+          </a:p>
+        </p:txBody>
+      </p:sp>
+    </p:spTree>
+    <p:extLst>
+      <p:ext uri="{BB962C8B-B14F-4D97-AF65-F5344CB8AC3E}">
+        <p14:creationId xmlns:p14="http://schemas.microsoft.com/office/powerpoint/2010/main" val="2465343337"/>
+      </p:ext>
+    </p:extLst>
+  </p:cSld>
+  <p:clrMapOvr>
+    <a:masterClrMapping/>
+  </p:clrMapOvr>
+</p:sld>
+</file>
+
+<file path=ppt/slides/slide5.xml><?xml version="1.0" encoding="utf-8"?>
+<p:sld xmlns:a="http://schemas.openxmlformats.org/drawingml/2006/main" xmlns:r="http://schemas.openxmlformats.org/officeDocument/2006/relationships" xmlns:p="http://schemas.openxmlformats.org/presentationml/2006/main">
+  <p:cSld>
+    <p:spTree>
+      <p:nvGrpSpPr>
+        <p:cNvPr id="1" name=""/>
+        <p:cNvGrpSpPr/>
+        <p:nvPr/>
+      </p:nvGrpSpPr>
+      <p:grpSpPr>
+        <a:xfrm>
+          <a:off x="0" y="0"/>
+          <a:ext cx="0" cy="0"/>
+          <a:chOff x="0" y="0"/>
+          <a:chExt cx="0" cy="0"/>
+        </a:xfrm>
+      </p:grpSpPr>
+      <p:sp>
+        <p:nvSpPr>
+          <p:cNvPr id="2" name="Title 1">
+            <a:extLst>
+              <a:ext uri="{FF2B5EF4-FFF2-40B4-BE49-F238E27FC236}">
+                <a16:creationId xmlns:a16="http://schemas.microsoft.com/office/drawing/2014/main" id="{CD373F4B-87AF-8BA2-9393-B83A9C6BF3AA}"/>
+              </a:ext>
+            </a:extLst>
+          </p:cNvPr>
+          <p:cNvSpPr>
+            <a:spLocks noGrp="1"/>
+          </p:cNvSpPr>
+          <p:nvPr>
+            <p:ph type="title"/>
+          </p:nvPr>
+        </p:nvSpPr>
+        <p:spPr/>
+        <p:txBody>
+          <a:bodyPr/>
+          <a:lstStyle/>
+          <a:p>
+            <a:r>
+              <a:rPr lang="en-FR" dirty="0"/>
+              <a:t>Challenges</a:t>
+            </a:r>
+          </a:p>
+        </p:txBody>
+      </p:sp>
+      <p:sp>
+        <p:nvSpPr>
+          <p:cNvPr id="3" name="Content Placeholder 2">
+            <a:extLst>
+              <a:ext uri="{FF2B5EF4-FFF2-40B4-BE49-F238E27FC236}">
+                <a16:creationId xmlns:a16="http://schemas.microsoft.com/office/drawing/2014/main" id="{42AF2495-C85D-B261-F206-C7C67753B60B}"/>
+              </a:ext>
+            </a:extLst>
+          </p:cNvPr>
+          <p:cNvSpPr>
+            <a:spLocks noGrp="1"/>
+          </p:cNvSpPr>
+          <p:nvPr>
+            <p:ph idx="1"/>
+          </p:nvPr>
+        </p:nvSpPr>
+        <p:spPr/>
+        <p:txBody>
+          <a:bodyPr/>
+          <a:lstStyle/>
+          <a:p>
+            <a:endParaRPr lang="en-FR"/>
+          </a:p>
+        </p:txBody>
+      </p:sp>
+    </p:spTree>
+    <p:extLst>
+      <p:ext uri="{BB962C8B-B14F-4D97-AF65-F5344CB8AC3E}">
+        <p14:creationId xmlns:p14="http://schemas.microsoft.com/office/powerpoint/2010/main" val="1530673376"/>
+      </p:ext>
+    </p:extLst>
+  </p:cSld>
+  <p:clrMapOvr>
+    <a:masterClrMapping/>
+  </p:clrMapOvr>
+</p:sld>
+</file>
+
+<file path=ppt/slides/slide6.xml><?xml version="1.0" encoding="utf-8"?>
+<p:sld xmlns:a="http://schemas.openxmlformats.org/drawingml/2006/main" xmlns:r="http://schemas.openxmlformats.org/officeDocument/2006/relationships" xmlns:p="http://schemas.openxmlformats.org/presentationml/2006/main">
+  <p:cSld>
+    <p:spTree>
+      <p:nvGrpSpPr>
+        <p:cNvPr id="1" name=""/>
+        <p:cNvGrpSpPr/>
+        <p:nvPr/>
+      </p:nvGrpSpPr>
+      <p:grpSpPr>
+        <a:xfrm>
+          <a:off x="0" y="0"/>
+          <a:ext cx="0" cy="0"/>
+          <a:chOff x="0" y="0"/>
+          <a:chExt cx="0" cy="0"/>
+        </a:xfrm>
+      </p:grpSpPr>
+      <p:sp>
+        <p:nvSpPr>
+          <p:cNvPr id="2" name="Title 1">
+            <a:extLst>
+              <a:ext uri="{FF2B5EF4-FFF2-40B4-BE49-F238E27FC236}">
+                <a16:creationId xmlns:a16="http://schemas.microsoft.com/office/drawing/2014/main" id="{BF9D4EE3-D9D0-848A-CAB0-DB05A29ADF78}"/>
+              </a:ext>
+            </a:extLst>
+          </p:cNvPr>
+          <p:cNvSpPr>
+            <a:spLocks noGrp="1"/>
+          </p:cNvSpPr>
+          <p:nvPr>
+            <p:ph type="title"/>
+          </p:nvPr>
+        </p:nvSpPr>
+        <p:spPr/>
+        <p:txBody>
+          <a:bodyPr/>
+          <a:lstStyle/>
+          <a:p>
+            <a:r>
+              <a:rPr lang="en-FR" dirty="0"/>
+              <a:t>Lessons learned</a:t>
+            </a:r>
+          </a:p>
+        </p:txBody>
+      </p:sp>
+      <p:sp>
+        <p:nvSpPr>
+          <p:cNvPr id="3" name="Content Placeholder 2">
+            <a:extLst>
+              <a:ext uri="{FF2B5EF4-FFF2-40B4-BE49-F238E27FC236}">
+                <a16:creationId xmlns:a16="http://schemas.microsoft.com/office/drawing/2014/main" id="{B3772A81-07C8-B9BC-052E-043E0C888BC7}"/>
+              </a:ext>
+            </a:extLst>
+          </p:cNvPr>
+          <p:cNvSpPr>
+            <a:spLocks noGrp="1"/>
+          </p:cNvSpPr>
+          <p:nvPr>
+            <p:ph idx="1"/>
+          </p:nvPr>
+        </p:nvSpPr>
+        <p:spPr/>
+        <p:txBody>
+          <a:bodyPr/>
+          <a:lstStyle/>
+          <a:p>
+            <a:endParaRPr lang="en-FR"/>
+          </a:p>
+        </p:txBody>
+      </p:sp>
+    </p:spTree>
+    <p:extLst>
+      <p:ext uri="{BB962C8B-B14F-4D97-AF65-F5344CB8AC3E}">
+        <p14:creationId xmlns:p14="http://schemas.microsoft.com/office/powerpoint/2010/main" val="276492905"/>
       </p:ext>
     </p:extLst>
   </p:cSld>
